--- a/src/medal.pptx
+++ b/src/medal.pptx
@@ -5,7 +5,9 @@
     <p:sldMasterId id="2147483672" r:id="rId1"/>
   </p:sldMasterIdLst>
   <p:sldIdLst>
-    <p:sldId id="260" r:id="rId2"/>
+    <p:sldId id="262" r:id="rId2"/>
+    <p:sldId id="260" r:id="rId3"/>
+    <p:sldId id="257" r:id="rId4"/>
   </p:sldIdLst>
   <p:sldSz cx="6035675" cy="6035675"/>
   <p:notesSz cx="6858000" cy="9144000"/>
@@ -243,7 +245,7 @@
           <a:p>
             <a:fld id="{B049FDC0-59D9-B64B-BCE9-DCE60D0F73CC}" type="datetimeFigureOut">
               <a:rPr lang="en-US" smtClean="0"/>
-              <a:t>9/16/22</a:t>
+              <a:t>9/19/22</a:t>
             </a:fld>
             <a:endParaRPr lang="en-US"/>
           </a:p>
@@ -413,7 +415,7 @@
           <a:p>
             <a:fld id="{B049FDC0-59D9-B64B-BCE9-DCE60D0F73CC}" type="datetimeFigureOut">
               <a:rPr lang="en-US" smtClean="0"/>
-              <a:t>9/16/22</a:t>
+              <a:t>9/19/22</a:t>
             </a:fld>
             <a:endParaRPr lang="en-US"/>
           </a:p>
@@ -593,7 +595,7 @@
           <a:p>
             <a:fld id="{B049FDC0-59D9-B64B-BCE9-DCE60D0F73CC}" type="datetimeFigureOut">
               <a:rPr lang="en-US" smtClean="0"/>
-              <a:t>9/16/22</a:t>
+              <a:t>9/19/22</a:t>
             </a:fld>
             <a:endParaRPr lang="en-US"/>
           </a:p>
@@ -763,7 +765,7 @@
           <a:p>
             <a:fld id="{B049FDC0-59D9-B64B-BCE9-DCE60D0F73CC}" type="datetimeFigureOut">
               <a:rPr lang="en-US" smtClean="0"/>
-              <a:t>9/16/22</a:t>
+              <a:t>9/19/22</a:t>
             </a:fld>
             <a:endParaRPr lang="en-US"/>
           </a:p>
@@ -1007,7 +1009,7 @@
           <a:p>
             <a:fld id="{B049FDC0-59D9-B64B-BCE9-DCE60D0F73CC}" type="datetimeFigureOut">
               <a:rPr lang="en-US" smtClean="0"/>
-              <a:t>9/16/22</a:t>
+              <a:t>9/19/22</a:t>
             </a:fld>
             <a:endParaRPr lang="en-US"/>
           </a:p>
@@ -1239,7 +1241,7 @@
           <a:p>
             <a:fld id="{B049FDC0-59D9-B64B-BCE9-DCE60D0F73CC}" type="datetimeFigureOut">
               <a:rPr lang="en-US" smtClean="0"/>
-              <a:t>9/16/22</a:t>
+              <a:t>9/19/22</a:t>
             </a:fld>
             <a:endParaRPr lang="en-US"/>
           </a:p>
@@ -1606,7 +1608,7 @@
           <a:p>
             <a:fld id="{B049FDC0-59D9-B64B-BCE9-DCE60D0F73CC}" type="datetimeFigureOut">
               <a:rPr lang="en-US" smtClean="0"/>
-              <a:t>9/16/22</a:t>
+              <a:t>9/19/22</a:t>
             </a:fld>
             <a:endParaRPr lang="en-US"/>
           </a:p>
@@ -1724,7 +1726,7 @@
           <a:p>
             <a:fld id="{B049FDC0-59D9-B64B-BCE9-DCE60D0F73CC}" type="datetimeFigureOut">
               <a:rPr lang="en-US" smtClean="0"/>
-              <a:t>9/16/22</a:t>
+              <a:t>9/19/22</a:t>
             </a:fld>
             <a:endParaRPr lang="en-US"/>
           </a:p>
@@ -1819,7 +1821,7 @@
           <a:p>
             <a:fld id="{B049FDC0-59D9-B64B-BCE9-DCE60D0F73CC}" type="datetimeFigureOut">
               <a:rPr lang="en-US" smtClean="0"/>
-              <a:t>9/16/22</a:t>
+              <a:t>9/19/22</a:t>
             </a:fld>
             <a:endParaRPr lang="en-US"/>
           </a:p>
@@ -2096,7 +2098,7 @@
           <a:p>
             <a:fld id="{B049FDC0-59D9-B64B-BCE9-DCE60D0F73CC}" type="datetimeFigureOut">
               <a:rPr lang="en-US" smtClean="0"/>
-              <a:t>9/16/22</a:t>
+              <a:t>9/19/22</a:t>
             </a:fld>
             <a:endParaRPr lang="en-US"/>
           </a:p>
@@ -2353,7 +2355,7 @@
           <a:p>
             <a:fld id="{B049FDC0-59D9-B64B-BCE9-DCE60D0F73CC}" type="datetimeFigureOut">
               <a:rPr lang="en-US" smtClean="0"/>
-              <a:t>9/16/22</a:t>
+              <a:t>9/19/22</a:t>
             </a:fld>
             <a:endParaRPr lang="en-US"/>
           </a:p>
@@ -2566,7 +2568,7 @@
           <a:p>
             <a:fld id="{B049FDC0-59D9-B64B-BCE9-DCE60D0F73CC}" type="datetimeFigureOut">
               <a:rPr lang="en-US" smtClean="0"/>
-              <a:t>9/16/22</a:t>
+              <a:t>9/19/22</a:t>
             </a:fld>
             <a:endParaRPr lang="en-US"/>
           </a:p>
@@ -3061,10 +3063,285 @@
           </a:p>
         </p:txBody>
       </p:sp>
+      <p:pic>
+        <p:nvPicPr>
+          <p:cNvPr id="11" name="Graphic 10">
+            <a:extLst>
+              <a:ext uri="{FF2B5EF4-FFF2-40B4-BE49-F238E27FC236}">
+                <a16:creationId xmlns:a16="http://schemas.microsoft.com/office/drawing/2014/main" id="{D0ADE770-4FED-F9AD-BFD6-537658091562}"/>
+              </a:ext>
+            </a:extLst>
+          </p:cNvPr>
+          <p:cNvPicPr>
+            <a:picLocks noChangeAspect="1"/>
+          </p:cNvPicPr>
+          <p:nvPr/>
+        </p:nvPicPr>
+        <p:blipFill rotWithShape="1">
+          <a:blip r:embed="rId4">
+            <a:extLst>
+              <a:ext uri="{96DAC541-7B7A-43D3-8B79-37D633B846F1}">
+                <asvg:svgBlip xmlns:asvg="http://schemas.microsoft.com/office/drawing/2016/SVG/main" r:embed="rId5"/>
+              </a:ext>
+            </a:extLst>
+          </a:blip>
+          <a:srcRect l="47400" t="35781" r="42550" b="36657"/>
+          <a:stretch/>
+        </p:blipFill>
+        <p:spPr>
+          <a:xfrm>
+            <a:off x="2270148" y="2397014"/>
+            <a:ext cx="1776749" cy="2227569"/>
+          </a:xfrm>
+          <a:prstGeom prst="rect">
+            <a:avLst/>
+          </a:prstGeom>
+        </p:spPr>
+      </p:pic>
+    </p:spTree>
+    <p:extLst>
+      <p:ext uri="{BB962C8B-B14F-4D97-AF65-F5344CB8AC3E}">
+        <p14:creationId xmlns:p14="http://schemas.microsoft.com/office/powerpoint/2010/main" val="3491360502"/>
+      </p:ext>
+    </p:extLst>
+  </p:cSld>
+  <p:clrMapOvr>
+    <a:masterClrMapping/>
+  </p:clrMapOvr>
+</p:sld>
+</file>
+
+<file path=ppt/slides/slide2.xml><?xml version="1.0" encoding="utf-8"?>
+<p:sld xmlns:a="http://schemas.openxmlformats.org/drawingml/2006/main" xmlns:r="http://schemas.openxmlformats.org/officeDocument/2006/relationships" xmlns:p="http://schemas.openxmlformats.org/presentationml/2006/main">
+  <p:cSld>
+    <p:bg>
+      <p:bgPr>
+        <a:solidFill>
+          <a:srgbClr val="5D2B7A"/>
+        </a:solidFill>
+        <a:effectLst/>
+      </p:bgPr>
+    </p:bg>
+    <p:spTree>
+      <p:nvGrpSpPr>
+        <p:cNvPr id="1" name=""/>
+        <p:cNvGrpSpPr/>
+        <p:nvPr/>
+      </p:nvGrpSpPr>
+      <p:grpSpPr>
+        <a:xfrm>
+          <a:off x="0" y="0"/>
+          <a:ext cx="0" cy="0"/>
+          <a:chOff x="0" y="0"/>
+          <a:chExt cx="0" cy="0"/>
+        </a:xfrm>
+      </p:grpSpPr>
+      <p:pic>
+        <p:nvPicPr>
+          <p:cNvPr id="3" name="Graphic 2" descr="Medal with solid fill">
+            <a:extLst>
+              <a:ext uri="{FF2B5EF4-FFF2-40B4-BE49-F238E27FC236}">
+                <a16:creationId xmlns:a16="http://schemas.microsoft.com/office/drawing/2014/main" id="{71C516DB-2A66-F545-82E8-6C74784D4E54}"/>
+              </a:ext>
+            </a:extLst>
+          </p:cNvPr>
+          <p:cNvPicPr>
+            <a:picLocks noChangeAspect="1"/>
+          </p:cNvPicPr>
+          <p:nvPr/>
+        </p:nvPicPr>
+        <p:blipFill>
+          <a:blip r:embed="rId2">
+            <a:extLst>
+              <a:ext uri="{96DAC541-7B7A-43D3-8B79-37D633B846F1}">
+                <asvg:svgBlip xmlns:asvg="http://schemas.microsoft.com/office/drawing/2016/SVG/main" r:embed="rId3"/>
+              </a:ext>
+            </a:extLst>
+          </a:blip>
+          <a:stretch>
+            <a:fillRect/>
+          </a:stretch>
+        </p:blipFill>
+        <p:spPr>
+          <a:xfrm>
+            <a:off x="428546" y="0"/>
+            <a:ext cx="5178581" cy="5178581"/>
+          </a:xfrm>
+          <a:prstGeom prst="rect">
+            <a:avLst/>
+          </a:prstGeom>
+        </p:spPr>
+      </p:pic>
+      <p:sp>
+        <p:nvSpPr>
+          <p:cNvPr id="8" name="TextBox 7">
+            <a:extLst>
+              <a:ext uri="{FF2B5EF4-FFF2-40B4-BE49-F238E27FC236}">
+                <a16:creationId xmlns:a16="http://schemas.microsoft.com/office/drawing/2014/main" id="{D4F1B6CE-BABB-B942-9A86-23A6E46A1738}"/>
+              </a:ext>
+            </a:extLst>
+          </p:cNvPr>
+          <p:cNvSpPr txBox="1"/>
+          <p:nvPr/>
+        </p:nvSpPr>
+        <p:spPr>
+          <a:xfrm>
+            <a:off x="974593" y="4624583"/>
+            <a:ext cx="4086486" cy="1107996"/>
+          </a:xfrm>
+          <a:prstGeom prst="rect">
+            <a:avLst/>
+          </a:prstGeom>
+          <a:noFill/>
+        </p:spPr>
+        <p:txBody>
+          <a:bodyPr wrap="square">
+            <a:spAutoFit/>
+          </a:bodyPr>
+          <a:lstStyle/>
+          <a:p>
+            <a:pPr algn="ctr"/>
+            <a:r>
+              <a:rPr lang="en-US" altLang="zh-CN" sz="6600" b="1" dirty="0">
+                <a:solidFill>
+                  <a:schemeClr val="bg1"/>
+                </a:solidFill>
+                <a:latin typeface="Garamond" panose="02020404030301010803" pitchFamily="18" charset="0"/>
+              </a:rPr>
+              <a:t>MEDAL</a:t>
+            </a:r>
+            <a:endParaRPr lang="en-US" sz="6600" dirty="0">
+              <a:solidFill>
+                <a:schemeClr val="bg1"/>
+              </a:solidFill>
+            </a:endParaRPr>
+          </a:p>
+        </p:txBody>
+      </p:sp>
     </p:spTree>
     <p:extLst>
       <p:ext uri="{BB962C8B-B14F-4D97-AF65-F5344CB8AC3E}">
         <p14:creationId xmlns:p14="http://schemas.microsoft.com/office/powerpoint/2010/main" val="348412083"/>
+      </p:ext>
+    </p:extLst>
+  </p:cSld>
+  <p:clrMapOvr>
+    <a:masterClrMapping/>
+  </p:clrMapOvr>
+</p:sld>
+</file>
+
+<file path=ppt/slides/slide3.xml><?xml version="1.0" encoding="utf-8"?>
+<p:sld xmlns:a="http://schemas.openxmlformats.org/drawingml/2006/main" xmlns:r="http://schemas.openxmlformats.org/officeDocument/2006/relationships" xmlns:p="http://schemas.openxmlformats.org/presentationml/2006/main">
+  <p:cSld>
+    <p:bg>
+      <p:bgPr>
+        <a:solidFill>
+          <a:schemeClr val="tx1"/>
+        </a:solidFill>
+        <a:effectLst/>
+      </p:bgPr>
+    </p:bg>
+    <p:spTree>
+      <p:nvGrpSpPr>
+        <p:cNvPr id="1" name=""/>
+        <p:cNvGrpSpPr/>
+        <p:nvPr/>
+      </p:nvGrpSpPr>
+      <p:grpSpPr>
+        <a:xfrm>
+          <a:off x="0" y="0"/>
+          <a:ext cx="0" cy="0"/>
+          <a:chOff x="0" y="0"/>
+          <a:chExt cx="0" cy="0"/>
+        </a:xfrm>
+      </p:grpSpPr>
+      <p:pic>
+        <p:nvPicPr>
+          <p:cNvPr id="3" name="Graphic 2" descr="Medal with solid fill">
+            <a:extLst>
+              <a:ext uri="{FF2B5EF4-FFF2-40B4-BE49-F238E27FC236}">
+                <a16:creationId xmlns:a16="http://schemas.microsoft.com/office/drawing/2014/main" id="{71C516DB-2A66-F545-82E8-6C74784D4E54}"/>
+              </a:ext>
+            </a:extLst>
+          </p:cNvPr>
+          <p:cNvPicPr>
+            <a:picLocks noChangeAspect="1"/>
+          </p:cNvPicPr>
+          <p:nvPr/>
+        </p:nvPicPr>
+        <p:blipFill>
+          <a:blip r:embed="rId2">
+            <a:extLst>
+              <a:ext uri="{96DAC541-7B7A-43D3-8B79-37D633B846F1}">
+                <asvg:svgBlip xmlns:asvg="http://schemas.microsoft.com/office/drawing/2016/SVG/main" r:embed="rId3"/>
+              </a:ext>
+            </a:extLst>
+          </a:blip>
+          <a:stretch>
+            <a:fillRect/>
+          </a:stretch>
+        </p:blipFill>
+        <p:spPr>
+          <a:xfrm>
+            <a:off x="428546" y="0"/>
+            <a:ext cx="5178581" cy="5178581"/>
+          </a:xfrm>
+          <a:prstGeom prst="rect">
+            <a:avLst/>
+          </a:prstGeom>
+        </p:spPr>
+      </p:pic>
+      <p:sp>
+        <p:nvSpPr>
+          <p:cNvPr id="9" name="TextBox 8">
+            <a:extLst>
+              <a:ext uri="{FF2B5EF4-FFF2-40B4-BE49-F238E27FC236}">
+                <a16:creationId xmlns:a16="http://schemas.microsoft.com/office/drawing/2014/main" id="{F5BE1815-9A35-CA4C-A866-6988DB439C46}"/>
+              </a:ext>
+            </a:extLst>
+          </p:cNvPr>
+          <p:cNvSpPr txBox="1"/>
+          <p:nvPr/>
+        </p:nvSpPr>
+        <p:spPr>
+          <a:xfrm>
+            <a:off x="974593" y="4624583"/>
+            <a:ext cx="4086486" cy="1107996"/>
+          </a:xfrm>
+          <a:prstGeom prst="rect">
+            <a:avLst/>
+          </a:prstGeom>
+          <a:noFill/>
+        </p:spPr>
+        <p:txBody>
+          <a:bodyPr wrap="square">
+            <a:spAutoFit/>
+          </a:bodyPr>
+          <a:lstStyle/>
+          <a:p>
+            <a:pPr algn="ctr"/>
+            <a:r>
+              <a:rPr lang="en-US" altLang="zh-CN" sz="6600" b="1" dirty="0">
+                <a:solidFill>
+                  <a:schemeClr val="bg1"/>
+                </a:solidFill>
+                <a:latin typeface="Garamond" panose="02020404030301010803" pitchFamily="18" charset="0"/>
+              </a:rPr>
+              <a:t>MEDAL</a:t>
+            </a:r>
+            <a:endParaRPr lang="en-US" sz="6600" dirty="0">
+              <a:solidFill>
+                <a:schemeClr val="bg1"/>
+              </a:solidFill>
+            </a:endParaRPr>
+          </a:p>
+        </p:txBody>
+      </p:sp>
+    </p:spTree>
+    <p:extLst>
+      <p:ext uri="{BB962C8B-B14F-4D97-AF65-F5344CB8AC3E}">
+        <p14:creationId xmlns:p14="http://schemas.microsoft.com/office/powerpoint/2010/main" val="969078920"/>
       </p:ext>
     </p:extLst>
   </p:cSld>
